--- a/documentation/Class diagram.pptx
+++ b/documentation/Class diagram.pptx
@@ -104,6 +104,11 @@
       </a:defRPr>
     </a:lvl9pPr>
   </p:defaultTextStyle>
+  <p:extLst>
+    <p:ext uri="{EFAFB233-063F-42B5-8137-9DF3F51BA10A}">
+      <p15:sldGuideLst xmlns:p15="http://schemas.microsoft.com/office/powerpoint/2012/main"/>
+    </p:ext>
+  </p:extLst>
 </p:presentation>
 </file>
 
@@ -256,7 +261,7 @@
           <a:p>
             <a:fld id="{D1630D19-7F5A-4897-88B2-E7B4A68EF66D}" type="datetimeFigureOut">
               <a:rPr lang="en-GB" smtClean="0"/>
-              <a:t>20/01/2021</a:t>
+              <a:t>22/02/2021</a:t>
             </a:fld>
             <a:endParaRPr lang="en-GB"/>
           </a:p>
@@ -456,7 +461,7 @@
           <a:p>
             <a:fld id="{D1630D19-7F5A-4897-88B2-E7B4A68EF66D}" type="datetimeFigureOut">
               <a:rPr lang="en-GB" smtClean="0"/>
-              <a:t>20/01/2021</a:t>
+              <a:t>22/02/2021</a:t>
             </a:fld>
             <a:endParaRPr lang="en-GB"/>
           </a:p>
@@ -666,7 +671,7 @@
           <a:p>
             <a:fld id="{D1630D19-7F5A-4897-88B2-E7B4A68EF66D}" type="datetimeFigureOut">
               <a:rPr lang="en-GB" smtClean="0"/>
-              <a:t>20/01/2021</a:t>
+              <a:t>22/02/2021</a:t>
             </a:fld>
             <a:endParaRPr lang="en-GB"/>
           </a:p>
@@ -866,7 +871,7 @@
           <a:p>
             <a:fld id="{D1630D19-7F5A-4897-88B2-E7B4A68EF66D}" type="datetimeFigureOut">
               <a:rPr lang="en-GB" smtClean="0"/>
-              <a:t>20/01/2021</a:t>
+              <a:t>22/02/2021</a:t>
             </a:fld>
             <a:endParaRPr lang="en-GB"/>
           </a:p>
@@ -1142,7 +1147,7 @@
           <a:p>
             <a:fld id="{D1630D19-7F5A-4897-88B2-E7B4A68EF66D}" type="datetimeFigureOut">
               <a:rPr lang="en-GB" smtClean="0"/>
-              <a:t>20/01/2021</a:t>
+              <a:t>22/02/2021</a:t>
             </a:fld>
             <a:endParaRPr lang="en-GB"/>
           </a:p>
@@ -1410,7 +1415,7 @@
           <a:p>
             <a:fld id="{D1630D19-7F5A-4897-88B2-E7B4A68EF66D}" type="datetimeFigureOut">
               <a:rPr lang="en-GB" smtClean="0"/>
-              <a:t>20/01/2021</a:t>
+              <a:t>22/02/2021</a:t>
             </a:fld>
             <a:endParaRPr lang="en-GB"/>
           </a:p>
@@ -1825,7 +1830,7 @@
           <a:p>
             <a:fld id="{D1630D19-7F5A-4897-88B2-E7B4A68EF66D}" type="datetimeFigureOut">
               <a:rPr lang="en-GB" smtClean="0"/>
-              <a:t>20/01/2021</a:t>
+              <a:t>22/02/2021</a:t>
             </a:fld>
             <a:endParaRPr lang="en-GB"/>
           </a:p>
@@ -1967,7 +1972,7 @@
           <a:p>
             <a:fld id="{D1630D19-7F5A-4897-88B2-E7B4A68EF66D}" type="datetimeFigureOut">
               <a:rPr lang="en-GB" smtClean="0"/>
-              <a:t>20/01/2021</a:t>
+              <a:t>22/02/2021</a:t>
             </a:fld>
             <a:endParaRPr lang="en-GB"/>
           </a:p>
@@ -2080,7 +2085,7 @@
           <a:p>
             <a:fld id="{D1630D19-7F5A-4897-88B2-E7B4A68EF66D}" type="datetimeFigureOut">
               <a:rPr lang="en-GB" smtClean="0"/>
-              <a:t>20/01/2021</a:t>
+              <a:t>22/02/2021</a:t>
             </a:fld>
             <a:endParaRPr lang="en-GB"/>
           </a:p>
@@ -2393,7 +2398,7 @@
           <a:p>
             <a:fld id="{D1630D19-7F5A-4897-88B2-E7B4A68EF66D}" type="datetimeFigureOut">
               <a:rPr lang="en-GB" smtClean="0"/>
-              <a:t>20/01/2021</a:t>
+              <a:t>22/02/2021</a:t>
             </a:fld>
             <a:endParaRPr lang="en-GB"/>
           </a:p>
@@ -2682,7 +2687,7 @@
           <a:p>
             <a:fld id="{D1630D19-7F5A-4897-88B2-E7B4A68EF66D}" type="datetimeFigureOut">
               <a:rPr lang="en-GB" smtClean="0"/>
-              <a:t>20/01/2021</a:t>
+              <a:t>22/02/2021</a:t>
             </a:fld>
             <a:endParaRPr lang="en-GB"/>
           </a:p>
@@ -2925,7 +2930,7 @@
           <a:p>
             <a:fld id="{D1630D19-7F5A-4897-88B2-E7B4A68EF66D}" type="datetimeFigureOut">
               <a:rPr lang="en-GB" smtClean="0"/>
-              <a:t>20/01/2021</a:t>
+              <a:t>22/02/2021</a:t>
             </a:fld>
             <a:endParaRPr lang="en-GB"/>
           </a:p>
@@ -3385,7 +3390,7 @@
           <a:p>
             <a:pPr algn="ctr"/>
             <a:r>
-              <a:rPr lang="en-GB" dirty="0"/>
+              <a:rPr lang="en-GB" sz="1200" dirty="0"/>
               <a:t>Snake</a:t>
             </a:r>
           </a:p>
@@ -3434,7 +3439,7 @@
           <a:p>
             <a:pPr algn="ctr"/>
             <a:r>
-              <a:rPr lang="en-GB" dirty="0"/>
+              <a:rPr lang="en-GB" sz="1200" dirty="0"/>
               <a:t>Apple</a:t>
             </a:r>
           </a:p>
@@ -3483,7 +3488,7 @@
           <a:p>
             <a:pPr algn="ctr"/>
             <a:r>
-              <a:rPr lang="en-GB" dirty="0"/>
+              <a:rPr lang="en-GB" sz="1200" dirty="0"/>
               <a:t>Game</a:t>
             </a:r>
           </a:p>
@@ -3503,7 +3508,7 @@
         </p:nvSpPr>
         <p:spPr>
           <a:xfrm>
-            <a:off x="7237702" y="1863753"/>
+            <a:off x="7237702" y="1310779"/>
             <a:ext cx="1073790" cy="788565"/>
           </a:xfrm>
           <a:prstGeom prst="rect">
@@ -3532,14 +3537,14 @@
           <a:p>
             <a:pPr algn="ctr"/>
             <a:r>
-              <a:rPr lang="en-GB" dirty="0"/>
+              <a:rPr lang="en-GB" sz="1200" dirty="0"/>
               <a:t>Game</a:t>
             </a:r>
             <a:br>
-              <a:rPr lang="en-GB" dirty="0"/>
+              <a:rPr lang="en-GB" sz="1200" dirty="0"/>
             </a:br>
             <a:r>
-              <a:rPr lang="en-GB" dirty="0"/>
+              <a:rPr lang="en-GB" sz="1200" dirty="0"/>
               <a:t>Renderer</a:t>
             </a:r>
           </a:p>
@@ -3555,15 +3560,15 @@
             </a:extLst>
           </p:cNvPr>
           <p:cNvCxnSpPr>
-            <a:stCxn id="6" idx="3"/>
+            <a:cxnSpLocks/>
             <a:endCxn id="7" idx="1"/>
           </p:cNvCxnSpPr>
           <p:nvPr/>
         </p:nvCxnSpPr>
         <p:spPr>
           <a:xfrm flipV="1">
-            <a:off x="5278074" y="2258036"/>
-            <a:ext cx="1959628" cy="1"/>
+            <a:off x="5296253" y="1705062"/>
+            <a:ext cx="1941449" cy="439373"/>
           </a:xfrm>
           <a:prstGeom prst="bentConnector3">
             <a:avLst/>
@@ -3677,35 +3682,314 @@
       </p:cxnSp>
       <p:sp>
         <p:nvSpPr>
-          <p:cNvPr id="15" name="TextBox 14">
-            <a:extLst>
-              <a:ext uri="{FF2B5EF4-FFF2-40B4-BE49-F238E27FC236}">
-                <a16:creationId xmlns:a16="http://schemas.microsoft.com/office/drawing/2014/main" id="{493CBAE7-8C4D-436F-BC4D-3DE78A1BB096}"/>
-              </a:ext>
-            </a:extLst>
-          </p:cNvPr>
-          <p:cNvSpPr txBox="1"/>
+          <p:cNvPr id="10" name="Rectangle 9">
+            <a:extLst>
+              <a:ext uri="{FF2B5EF4-FFF2-40B4-BE49-F238E27FC236}">
+                <a16:creationId xmlns:a16="http://schemas.microsoft.com/office/drawing/2014/main" id="{CA5DCD68-87E7-4FF0-8ED5-58FDEB255050}"/>
+              </a:ext>
+            </a:extLst>
+          </p:cNvPr>
+          <p:cNvSpPr/>
           <p:nvPr/>
         </p:nvSpPr>
         <p:spPr>
           <a:xfrm>
-            <a:off x="7156579" y="2769601"/>
-            <a:ext cx="2547258" cy="553998"/>
+            <a:off x="7237702" y="2392260"/>
+            <a:ext cx="1073790" cy="788565"/>
           </a:xfrm>
           <a:prstGeom prst="rect">
             <a:avLst/>
           </a:prstGeom>
           <a:noFill/>
         </p:spPr>
-        <p:txBody>
-          <a:bodyPr wrap="square" rtlCol="0">
+        <p:style>
+          <a:lnRef idx="2">
+            <a:schemeClr val="accent1">
+              <a:shade val="50000"/>
+            </a:schemeClr>
+          </a:lnRef>
+          <a:fillRef idx="1">
+            <a:schemeClr val="accent1"/>
+          </a:fillRef>
+          <a:effectRef idx="0">
+            <a:schemeClr val="accent1"/>
+          </a:effectRef>
+          <a:fontRef idx="minor">
+            <a:schemeClr val="lt1"/>
+          </a:fontRef>
+        </p:style>
+        <p:txBody>
+          <a:bodyPr rtlCol="0" anchor="ctr"/>
+          <a:lstStyle/>
+          <a:p>
+            <a:pPr algn="ctr"/>
+            <a:r>
+              <a:rPr lang="en-GB" sz="1200" dirty="0">
+                <a:solidFill>
+                  <a:schemeClr val="tx1"/>
+                </a:solidFill>
+              </a:rPr>
+              <a:t>High</a:t>
+            </a:r>
+          </a:p>
+          <a:p>
+            <a:pPr algn="ctr"/>
+            <a:r>
+              <a:rPr lang="en-GB" sz="1200" dirty="0">
+                <a:solidFill>
+                  <a:schemeClr val="tx1"/>
+                </a:solidFill>
+              </a:rPr>
+              <a:t>Scores</a:t>
+            </a:r>
+          </a:p>
+          <a:p>
+            <a:pPr algn="ctr"/>
+            <a:r>
+              <a:rPr lang="en-GB" sz="1200" dirty="0">
+                <a:solidFill>
+                  <a:schemeClr val="tx1"/>
+                </a:solidFill>
+              </a:rPr>
+              <a:t>Provider</a:t>
+            </a:r>
+          </a:p>
+        </p:txBody>
+      </p:sp>
+      <p:cxnSp>
+        <p:nvCxnSpPr>
+          <p:cNvPr id="8" name="Connector: Elbow 7">
+            <a:extLst>
+              <a:ext uri="{FF2B5EF4-FFF2-40B4-BE49-F238E27FC236}">
+                <a16:creationId xmlns:a16="http://schemas.microsoft.com/office/drawing/2014/main" id="{6AEC2B50-B331-4B25-8EFA-A7D2D645F012}"/>
+              </a:ext>
+            </a:extLst>
+          </p:cNvPr>
+          <p:cNvCxnSpPr>
+            <a:cxnSpLocks/>
+            <a:endCxn id="10" idx="1"/>
+          </p:cNvCxnSpPr>
+          <p:nvPr/>
+        </p:nvCxnSpPr>
+        <p:spPr>
+          <a:xfrm>
+            <a:off x="5296253" y="2392259"/>
+            <a:ext cx="1941449" cy="394284"/>
+          </a:xfrm>
+          <a:prstGeom prst="bentConnector3">
+            <a:avLst/>
+          </a:prstGeom>
+          <a:ln>
+            <a:prstDash val="dash"/>
+            <a:headEnd type="triangle" w="med" len="med"/>
+            <a:tailEnd type="triangle" w="med" len="med"/>
+          </a:ln>
+        </p:spPr>
+        <p:style>
+          <a:lnRef idx="1">
+            <a:schemeClr val="accent1"/>
+          </a:lnRef>
+          <a:fillRef idx="0">
+            <a:schemeClr val="accent1"/>
+          </a:fillRef>
+          <a:effectRef idx="0">
+            <a:schemeClr val="accent1"/>
+          </a:effectRef>
+          <a:fontRef idx="minor">
+            <a:schemeClr val="tx1"/>
+          </a:fontRef>
+        </p:style>
+      </p:cxnSp>
+      <p:sp>
+        <p:nvSpPr>
+          <p:cNvPr id="17" name="Rectangle 16">
+            <a:extLst>
+              <a:ext uri="{FF2B5EF4-FFF2-40B4-BE49-F238E27FC236}">
+                <a16:creationId xmlns:a16="http://schemas.microsoft.com/office/drawing/2014/main" id="{807594D6-093C-4A70-85D4-91E1DB9C24BB}"/>
+              </a:ext>
+            </a:extLst>
+          </p:cNvPr>
+          <p:cNvSpPr/>
+          <p:nvPr/>
+        </p:nvSpPr>
+        <p:spPr>
+          <a:xfrm>
+            <a:off x="9096662" y="1990985"/>
+            <a:ext cx="1073790" cy="788565"/>
+          </a:xfrm>
+          <a:prstGeom prst="rect">
+            <a:avLst/>
+          </a:prstGeom>
+        </p:spPr>
+        <p:style>
+          <a:lnRef idx="2">
+            <a:schemeClr val="accent1">
+              <a:shade val="50000"/>
+            </a:schemeClr>
+          </a:lnRef>
+          <a:fillRef idx="1">
+            <a:schemeClr val="accent1"/>
+          </a:fillRef>
+          <a:effectRef idx="0">
+            <a:schemeClr val="accent1"/>
+          </a:effectRef>
+          <a:fontRef idx="minor">
+            <a:schemeClr val="lt1"/>
+          </a:fontRef>
+        </p:style>
+        <p:txBody>
+          <a:bodyPr rtlCol="0" anchor="ctr"/>
+          <a:lstStyle/>
+          <a:p>
+            <a:pPr algn="ctr"/>
+            <a:r>
+              <a:rPr lang="en-GB" sz="1200" dirty="0"/>
+              <a:t>Memory Provider</a:t>
+            </a:r>
+          </a:p>
+        </p:txBody>
+      </p:sp>
+      <p:sp>
+        <p:nvSpPr>
+          <p:cNvPr id="18" name="Rectangle 17">
+            <a:extLst>
+              <a:ext uri="{FF2B5EF4-FFF2-40B4-BE49-F238E27FC236}">
+                <a16:creationId xmlns:a16="http://schemas.microsoft.com/office/drawing/2014/main" id="{45B1E858-FC91-4952-8A2F-7E7CCEC9F1A6}"/>
+              </a:ext>
+            </a:extLst>
+          </p:cNvPr>
+          <p:cNvSpPr/>
+          <p:nvPr/>
+        </p:nvSpPr>
+        <p:spPr>
+          <a:xfrm>
+            <a:off x="9096662" y="2910106"/>
+            <a:ext cx="1073790" cy="788565"/>
+          </a:xfrm>
+          <a:prstGeom prst="rect">
+            <a:avLst/>
+          </a:prstGeom>
+        </p:spPr>
+        <p:style>
+          <a:lnRef idx="2">
+            <a:schemeClr val="accent1">
+              <a:shade val="50000"/>
+            </a:schemeClr>
+          </a:lnRef>
+          <a:fillRef idx="1">
+            <a:schemeClr val="accent1"/>
+          </a:fillRef>
+          <a:effectRef idx="0">
+            <a:schemeClr val="accent1"/>
+          </a:effectRef>
+          <a:fontRef idx="minor">
+            <a:schemeClr val="lt1"/>
+          </a:fontRef>
+        </p:style>
+        <p:txBody>
+          <a:bodyPr rtlCol="0" anchor="ctr"/>
+          <a:lstStyle/>
+          <a:p>
+            <a:pPr algn="ctr"/>
+            <a:r>
+              <a:rPr lang="en-GB" sz="1200" dirty="0"/>
+              <a:t>Web Service</a:t>
+            </a:r>
+          </a:p>
+          <a:p>
+            <a:pPr algn="ctr"/>
+            <a:r>
+              <a:rPr lang="en-GB" sz="1200" dirty="0"/>
+              <a:t>Provider</a:t>
+            </a:r>
+          </a:p>
+        </p:txBody>
+      </p:sp>
+      <p:sp>
+        <p:nvSpPr>
+          <p:cNvPr id="19" name="Left Brace 18">
+            <a:extLst>
+              <a:ext uri="{FF2B5EF4-FFF2-40B4-BE49-F238E27FC236}">
+                <a16:creationId xmlns:a16="http://schemas.microsoft.com/office/drawing/2014/main" id="{B85E92C6-2EF9-4166-9AC4-C394DEA4AC6F}"/>
+              </a:ext>
+            </a:extLst>
+          </p:cNvPr>
+          <p:cNvSpPr/>
+          <p:nvPr/>
+        </p:nvSpPr>
+        <p:spPr>
+          <a:xfrm>
+            <a:off x="8559768" y="1990985"/>
+            <a:ext cx="306796" cy="1707686"/>
+          </a:xfrm>
+          <a:prstGeom prst="leftBrace">
+            <a:avLst>
+              <a:gd name="adj1" fmla="val 82527"/>
+              <a:gd name="adj2" fmla="val 46921"/>
+            </a:avLst>
+          </a:prstGeom>
+        </p:spPr>
+        <p:style>
+          <a:lnRef idx="1">
+            <a:schemeClr val="accent1"/>
+          </a:lnRef>
+          <a:fillRef idx="0">
+            <a:schemeClr val="accent1"/>
+          </a:fillRef>
+          <a:effectRef idx="0">
+            <a:schemeClr val="accent1"/>
+          </a:effectRef>
+          <a:fontRef idx="minor">
+            <a:schemeClr val="tx1"/>
+          </a:fontRef>
+        </p:style>
+        <p:txBody>
+          <a:bodyPr rtlCol="0" anchor="ctr"/>
+          <a:lstStyle/>
+          <a:p>
+            <a:pPr algn="ctr"/>
+            <a:endParaRPr lang="en-GB"/>
+          </a:p>
+        </p:txBody>
+      </p:sp>
+      <p:sp>
+        <p:nvSpPr>
+          <p:cNvPr id="20" name="TextBox 19">
+            <a:extLst>
+              <a:ext uri="{FF2B5EF4-FFF2-40B4-BE49-F238E27FC236}">
+                <a16:creationId xmlns:a16="http://schemas.microsoft.com/office/drawing/2014/main" id="{CDD59A6F-26A4-460A-885E-79172198E6DF}"/>
+              </a:ext>
+            </a:extLst>
+          </p:cNvPr>
+          <p:cNvSpPr txBox="1"/>
+          <p:nvPr/>
+        </p:nvSpPr>
+        <p:spPr>
+          <a:xfrm>
+            <a:off x="7443832" y="3219825"/>
+            <a:ext cx="728084" cy="246221"/>
+          </a:xfrm>
+          <a:prstGeom prst="rect">
+            <a:avLst/>
+          </a:prstGeom>
+          <a:noFill/>
+        </p:spPr>
+        <p:txBody>
+          <a:bodyPr wrap="none" rtlCol="0">
             <a:spAutoFit/>
           </a:bodyPr>
           <a:lstStyle/>
           <a:p>
             <a:r>
-              <a:rPr lang="en-GB" sz="1000" dirty="0"/>
-              <a:t>Contains a html canvas reference and converts the relative locations of Snake and Apple into pixel coordinates for drawing</a:t>
+              <a:rPr lang="en-GB" sz="1000" dirty="0">
+                <a:solidFill>
+                  <a:schemeClr val="tx1">
+                    <a:lumMod val="50000"/>
+                    <a:lumOff val="50000"/>
+                  </a:schemeClr>
+                </a:solidFill>
+              </a:rPr>
+              <a:t>(interface)</a:t>
             </a:r>
           </a:p>
         </p:txBody>
